--- a/02 Predavanje/RSII -Lesson 02.pptx
+++ b/02 Predavanje/RSII -Lesson 02.pptx
@@ -5,25 +5,26 @@
     <p:sldMasterId id="2147483648" r:id="rId1"/>
   </p:sldMasterIdLst>
   <p:notesMasterIdLst>
-    <p:notesMasterId r:id="rId18"/>
+    <p:notesMasterId r:id="rId19"/>
   </p:notesMasterIdLst>
   <p:sldIdLst>
-    <p:sldId id="271" r:id="rId2"/>
-    <p:sldId id="272" r:id="rId3"/>
-    <p:sldId id="273" r:id="rId4"/>
-    <p:sldId id="256" r:id="rId5"/>
-    <p:sldId id="257" r:id="rId6"/>
-    <p:sldId id="258" r:id="rId7"/>
-    <p:sldId id="259" r:id="rId8"/>
-    <p:sldId id="260" r:id="rId9"/>
-    <p:sldId id="261" r:id="rId10"/>
-    <p:sldId id="262" r:id="rId11"/>
-    <p:sldId id="263" r:id="rId12"/>
-    <p:sldId id="264" r:id="rId13"/>
-    <p:sldId id="265" r:id="rId14"/>
-    <p:sldId id="266" r:id="rId15"/>
-    <p:sldId id="267" r:id="rId16"/>
-    <p:sldId id="268" r:id="rId17"/>
+    <p:sldId id="256" r:id="rId2"/>
+    <p:sldId id="271" r:id="rId3"/>
+    <p:sldId id="272" r:id="rId4"/>
+    <p:sldId id="273" r:id="rId5"/>
+    <p:sldId id="274" r:id="rId6"/>
+    <p:sldId id="257" r:id="rId7"/>
+    <p:sldId id="258" r:id="rId8"/>
+    <p:sldId id="259" r:id="rId9"/>
+    <p:sldId id="260" r:id="rId10"/>
+    <p:sldId id="261" r:id="rId11"/>
+    <p:sldId id="262" r:id="rId12"/>
+    <p:sldId id="263" r:id="rId13"/>
+    <p:sldId id="264" r:id="rId14"/>
+    <p:sldId id="265" r:id="rId15"/>
+    <p:sldId id="266" r:id="rId16"/>
+    <p:sldId id="267" r:id="rId17"/>
+    <p:sldId id="268" r:id="rId18"/>
   </p:sldIdLst>
   <p:sldSz cx="12192000" cy="6858000"/>
   <p:notesSz cx="6858000" cy="9144000"/>
@@ -611,7 +612,7 @@
           <a:p>
             <a:fld id="{38B2D19F-96FC-46F2-9C2E-0C6B379371DF}" type="datetimeFigureOut">
               <a:rPr lang="en-US" smtClean="0"/>
-              <a:t>3/12/2019</a:t>
+              <a:t>3/14/2019</a:t>
             </a:fld>
             <a:endParaRPr lang="en-US"/>
           </a:p>
@@ -922,20 +923,6 @@
           <a:bodyPr/>
           <a:lstStyle/>
           <a:p>
-            <a:r>
-              <a:rPr lang="bs-Latn-BA" dirty="0"/>
-              <a:t>SOAP ne može garantovati komunikaciju sa svim </a:t>
-            </a:r>
-            <a:r>
-              <a:rPr lang="bs-Latn-BA" dirty="0" err="1"/>
-              <a:t>uredjajima</a:t>
-            </a:r>
-            <a:r>
-              <a:rPr lang="bs-Latn-BA" dirty="0"/>
-              <a:t>.</a:t>
-            </a:r>
-          </a:p>
-          <a:p>
             <a:endParaRPr lang="bs-Latn-BA" dirty="0"/>
           </a:p>
           <a:p>
@@ -967,7 +954,7 @@
           <a:p>
             <a:fld id="{6836151D-8E10-441D-ACAB-C0A69E248B8E}" type="slidenum">
               <a:rPr lang="en-US" smtClean="0"/>
-              <a:t>1</a:t>
+              <a:t>2</a:t>
             </a:fld>
             <a:endParaRPr lang="en-US"/>
           </a:p>
@@ -1051,7 +1038,7 @@
           <a:p>
             <a:fld id="{6836151D-8E10-441D-ACAB-C0A69E248B8E}" type="slidenum">
               <a:rPr lang="en-US" smtClean="0"/>
-              <a:t>2</a:t>
+              <a:t>3</a:t>
             </a:fld>
             <a:endParaRPr lang="en-US"/>
           </a:p>
@@ -1114,17 +1101,13 @@
           <a:bodyPr/>
           <a:lstStyle/>
           <a:p>
-            <a:pPr marL="171450" indent="-171450">
-              <a:buFont typeface="Arial" panose="020B0604020202020204" pitchFamily="34" charset="0"/>
-              <a:buChar char="•"/>
-            </a:pPr>
-            <a:r>
-              <a:rPr lang="bs-Latn-BA" dirty="0"/>
-              <a:t>Osnovna </a:t>
+            <a:r>
+              <a:rPr lang="bs-Latn-BA" dirty="0"/>
+              <a:t>Pojavom i ekspanzijom različitih vrsta uređaja, prvenstveno pametnih telefona, tableta, Internet </a:t>
             </a:r>
             <a:r>
               <a:rPr lang="bs-Latn-BA" dirty="0" err="1"/>
-              <a:t>gradivna</a:t>
+              <a:t>of</a:t>
             </a:r>
             <a:r>
               <a:rPr lang="bs-Latn-BA" dirty="0"/>
@@ -1132,155 +1115,65 @@
             </a:r>
             <a:r>
               <a:rPr lang="bs-Latn-BA" dirty="0" err="1"/>
-              <a:t>jednica</a:t>
-            </a:r>
-            <a:r>
-              <a:rPr lang="bs-Latn-BA" dirty="0"/>
-              <a:t> interneta.</a:t>
-            </a:r>
-          </a:p>
-          <a:p>
-            <a:pPr marL="171450" indent="-171450">
-              <a:buFont typeface="Arial" panose="020B0604020202020204" pitchFamily="34" charset="0"/>
-              <a:buChar char="•"/>
-            </a:pPr>
+              <a:t>Things</a:t>
+            </a:r>
+            <a:r>
+              <a:rPr lang="bs-Latn-BA" dirty="0"/>
+              <a:t>, javila se potreba za definisanjem takve vrste servisa koja neće biti ograničena kao u slučaju SOAP, s obzirom da SOAP ne može garantovati komunikaciju sa svim </a:t>
+            </a:r>
+            <a:r>
+              <a:rPr lang="bs-Latn-BA" dirty="0" err="1"/>
+              <a:t>uredjajima</a:t>
+            </a:r>
+            <a:r>
+              <a:rPr lang="bs-Latn-BA" dirty="0"/>
+              <a:t>.</a:t>
+            </a:r>
+          </a:p>
+          <a:p>
             <a:endParaRPr lang="bs-Latn-BA" dirty="0"/>
           </a:p>
           <a:p>
-            <a:pPr marL="171450" indent="-171450">
-              <a:buFont typeface="Arial" panose="020B0604020202020204" pitchFamily="34" charset="0"/>
-              <a:buChar char="•"/>
-            </a:pPr>
-            <a:r>
-              <a:rPr lang="bs-Latn-BA" dirty="0"/>
-              <a:t>Osnovni protokol za </a:t>
-            </a:r>
+            <a:r>
+              <a:rPr lang="bs-Latn-BA" dirty="0"/>
+              <a:t>Isključivo baziran na http protokolu, REST servisi su dana postali vrlo česta tehnologija pri implementaciji distribuiranih aplikacija. U ovom predavanju upoznat ćemo se sa osnovnih pojmovima REST Servisa. </a:t>
+            </a:r>
+          </a:p>
+          <a:p>
+            <a:endParaRPr lang="bs-Latn-BA" dirty="0"/>
+          </a:p>
+          <a:p>
             <a:r>
               <a:rPr lang="bs-Latn-BA" dirty="0" err="1"/>
-              <a:t>prenos</a:t>
-            </a:r>
-            <a:r>
-              <a:rPr lang="bs-Latn-BA" dirty="0"/>
-              <a:t> </a:t>
+              <a:t>Rest</a:t>
+            </a:r>
+            <a:r>
+              <a:rPr lang="bs-Latn-BA" dirty="0"/>
+              <a:t> servisi biće detaljnije studirani u ovom predmetu, a koristit će se za izradu predmetnih Vježbi i implementacije </a:t>
             </a:r>
             <a:r>
               <a:rPr lang="bs-Latn-BA" dirty="0" err="1"/>
-              <a:t>hypertextualnog</a:t>
-            </a:r>
-            <a:r>
-              <a:rPr lang="bs-Latn-BA" dirty="0"/>
-              <a:t> sadržaja.  Transfer se vrši od http server do browsera odnosno klijenta.</a:t>
-            </a:r>
-          </a:p>
-          <a:p>
-            <a:pPr marL="171450" indent="-171450">
-              <a:buFont typeface="Arial" panose="020B0604020202020204" pitchFamily="34" charset="0"/>
-              <a:buChar char="•"/>
-            </a:pPr>
-            <a:endParaRPr lang="bs-Latn-BA" dirty="0"/>
-          </a:p>
-          <a:p>
-            <a:pPr marL="171450" indent="-171450">
-              <a:buFont typeface="Arial" panose="020B0604020202020204" pitchFamily="34" charset="0"/>
-              <a:buChar char="•"/>
-            </a:pPr>
-            <a:r>
-              <a:rPr lang="bs-Latn-BA" dirty="0"/>
-              <a:t>Zašto </a:t>
+              <a:t>eProdaje</a:t>
+            </a:r>
+            <a:r>
+              <a:rPr lang="bs-Latn-BA" dirty="0"/>
+              <a:t>. U ovom predavanju </a:t>
             </a:r>
             <a:r>
               <a:rPr lang="bs-Latn-BA" dirty="0" err="1"/>
-              <a:t>hypertekstualno</a:t>
-            </a:r>
-            <a:r>
-              <a:rPr lang="bs-Latn-BA" dirty="0"/>
-              <a:t> je iz razloga što u sadržaju teksta se nalaze i putanje za neki druge lokacije koje </a:t>
+              <a:t>daćemo</a:t>
+            </a:r>
+            <a:r>
+              <a:rPr lang="bs-Latn-BA" dirty="0"/>
+              <a:t> pregled osnovnih pojmova, i definicija REST Servisa, kao i implementacije kostura </a:t>
             </a:r>
             <a:r>
               <a:rPr lang="bs-Latn-BA" dirty="0" err="1"/>
-              <a:t>takodjer</a:t>
-            </a:r>
-            <a:r>
-              <a:rPr lang="bs-Latn-BA" dirty="0"/>
-              <a:t> sadržavaju istu vrstu hiperteksta i tako dalje. </a:t>
-            </a:r>
-            <a:r>
-              <a:rPr lang="bs-Latn-BA" dirty="0" err="1"/>
-              <a:t>Hyperlinkovi</a:t>
-            </a:r>
-            <a:r>
-              <a:rPr lang="bs-Latn-BA" dirty="0"/>
-              <a:t> za prelaz iz jednog u drugi izvor. </a:t>
-            </a:r>
-          </a:p>
-          <a:p>
-            <a:pPr marL="171450" indent="-171450">
-              <a:buFont typeface="Arial" panose="020B0604020202020204" pitchFamily="34" charset="0"/>
-              <a:buChar char="•"/>
-            </a:pPr>
-            <a:r>
-              <a:rPr lang="bs-Latn-BA" dirty="0"/>
-              <a:t>Krajem 80 i početkom 90 godina. Bazira se na </a:t>
-            </a:r>
-            <a:r>
-              <a:rPr lang="bs-Latn-BA" dirty="0" err="1"/>
-              <a:t>Request</a:t>
-            </a:r>
-            <a:r>
-              <a:rPr lang="bs-Latn-BA" dirty="0"/>
-              <a:t>/</a:t>
-            </a:r>
-            <a:r>
-              <a:rPr lang="bs-Latn-BA" dirty="0" err="1"/>
-              <a:t>response</a:t>
-            </a:r>
-            <a:r>
-              <a:rPr lang="bs-Latn-BA" dirty="0"/>
-              <a:t> principu.</a:t>
-            </a:r>
-          </a:p>
-          <a:p>
-            <a:pPr marL="171450" indent="-171450">
-              <a:buFont typeface="Arial" panose="020B0604020202020204" pitchFamily="34" charset="0"/>
-              <a:buChar char="•"/>
-            </a:pPr>
-            <a:r>
-              <a:rPr lang="bs-Latn-BA" dirty="0"/>
-              <a:t>Nekoliko verzija</a:t>
-            </a:r>
-          </a:p>
-          <a:p>
-            <a:pPr marL="171450" indent="-171450">
-              <a:buFont typeface="Arial" panose="020B0604020202020204" pitchFamily="34" charset="0"/>
-              <a:buChar char="•"/>
-            </a:pPr>
-            <a:r>
-              <a:rPr lang="bs-Latn-BA" dirty="0"/>
-              <a:t>HTTP 1.0 sadrži dodatne vrste podataka, javila se potreba </a:t>
-            </a:r>
-            <a:r>
-              <a:rPr lang="bs-Latn-BA" dirty="0" err="1"/>
-              <a:t>proxy</a:t>
-            </a:r>
-            <a:r>
-              <a:rPr lang="bs-Latn-BA" dirty="0"/>
-              <a:t> i druge </a:t>
-            </a:r>
-            <a:r>
-              <a:rPr lang="bs-Latn-BA" dirty="0" err="1"/>
-              <a:t>zathjeve</a:t>
-            </a:r>
-            <a:r>
-              <a:rPr lang="bs-Latn-BA" dirty="0"/>
-              <a:t> pa se onda HTTP pojavila daljnje verzije i danas </a:t>
-            </a:r>
-            <a:r>
-              <a:rPr lang="bs-Latn-BA" dirty="0" err="1"/>
-              <a:t>trenuta</a:t>
-            </a:r>
-            <a:r>
-              <a:rPr lang="bs-Latn-BA" dirty="0"/>
-              <a:t> verzija 2.0.</a:t>
+              <a:t>Rest</a:t>
+            </a:r>
+            <a:r>
+              <a:rPr lang="bs-Latn-BA" dirty="0"/>
+              <a:t> servisa kojeg ćemo u narednim predavanjima koristiti kao polaznu osnovu za daljnju implementaciju WEB API-a </a:t>
             </a:r>
             <a:endParaRPr lang="en-US" dirty="0"/>
           </a:p>
@@ -1312,7 +1205,7 @@
     </p:spTree>
     <p:extLst>
       <p:ext uri="{BB962C8B-B14F-4D97-AF65-F5344CB8AC3E}">
-        <p14:creationId xmlns:p14="http://schemas.microsoft.com/office/powerpoint/2010/main" val="911875358"/>
+        <p14:creationId xmlns:p14="http://schemas.microsoft.com/office/powerpoint/2010/main" val="3934467342"/>
       </p:ext>
     </p:extLst>
   </p:cSld>
@@ -1366,9 +1259,177 @@
           <a:bodyPr/>
           <a:lstStyle/>
           <a:p>
-            <a:r>
-              <a:rPr lang="bs-Latn-BA" dirty="0"/>
-              <a:t>URI posjeduje oba resursa </a:t>
+            <a:pPr marL="171450" indent="-171450">
+              <a:buFont typeface="Arial" panose="020B0604020202020204" pitchFamily="34" charset="0"/>
+              <a:buChar char="•"/>
+            </a:pPr>
+            <a:r>
+              <a:rPr lang="bs-Latn-BA" dirty="0" err="1"/>
+              <a:t>Rest</a:t>
+            </a:r>
+            <a:r>
+              <a:rPr lang="bs-Latn-BA" dirty="0"/>
+              <a:t> servisi se ne mogu objasniti bez prethodnog uvoda u HTTP protokol. </a:t>
+            </a:r>
+          </a:p>
+          <a:p>
+            <a:pPr marL="171450" indent="-171450">
+              <a:buFont typeface="Arial" panose="020B0604020202020204" pitchFamily="34" charset="0"/>
+              <a:buChar char="•"/>
+            </a:pPr>
+            <a:endParaRPr lang="bs-Latn-BA" dirty="0"/>
+          </a:p>
+          <a:p>
+            <a:pPr marL="171450" indent="-171450">
+              <a:buFont typeface="Arial" panose="020B0604020202020204" pitchFamily="34" charset="0"/>
+              <a:buChar char="•"/>
+            </a:pPr>
+            <a:r>
+              <a:rPr lang="bs-Latn-BA" dirty="0"/>
+              <a:t>HTTP protokol predstavlja osnovnu </a:t>
+            </a:r>
+            <a:r>
+              <a:rPr lang="bs-Latn-BA" dirty="0" err="1"/>
+              <a:t>gradivnu</a:t>
+            </a:r>
+            <a:r>
+              <a:rPr lang="bs-Latn-BA" dirty="0"/>
+              <a:t> </a:t>
+            </a:r>
+            <a:r>
+              <a:rPr lang="bs-Latn-BA" dirty="0" err="1"/>
+              <a:t>jednicu</a:t>
+            </a:r>
+            <a:r>
+              <a:rPr lang="bs-Latn-BA" dirty="0"/>
+              <a:t> interneta, a predstavlja osnovni protokol za </a:t>
+            </a:r>
+            <a:r>
+              <a:rPr lang="bs-Latn-BA" dirty="0" err="1"/>
+              <a:t>prenos</a:t>
+            </a:r>
+            <a:r>
+              <a:rPr lang="bs-Latn-BA" dirty="0"/>
+              <a:t> </a:t>
+            </a:r>
+            <a:r>
+              <a:rPr lang="bs-Latn-BA" dirty="0" err="1"/>
+              <a:t>hypertextualnog</a:t>
+            </a:r>
+            <a:r>
+              <a:rPr lang="bs-Latn-BA" dirty="0"/>
+              <a:t> sadržaja.  Transfer se vrši od http server do browsera odnosno klijenta.</a:t>
+            </a:r>
+          </a:p>
+          <a:p>
+            <a:pPr marL="171450" indent="-171450">
+              <a:buFont typeface="Arial" panose="020B0604020202020204" pitchFamily="34" charset="0"/>
+              <a:buChar char="•"/>
+            </a:pPr>
+            <a:endParaRPr lang="bs-Latn-BA" dirty="0"/>
+          </a:p>
+          <a:p>
+            <a:pPr marL="171450" indent="-171450">
+              <a:buFont typeface="Arial" panose="020B0604020202020204" pitchFamily="34" charset="0"/>
+              <a:buChar char="•"/>
+            </a:pPr>
+            <a:r>
+              <a:rPr lang="bs-Latn-BA" dirty="0"/>
+              <a:t>Zašto </a:t>
+            </a:r>
+            <a:r>
+              <a:rPr lang="bs-Latn-BA" dirty="0" err="1"/>
+              <a:t>hypertekstualno</a:t>
+            </a:r>
+            <a:r>
+              <a:rPr lang="bs-Latn-BA" dirty="0"/>
+              <a:t> je iz razloga što u sadržaju teksta se nalaze i putanje za neki druge lokacije koje </a:t>
+            </a:r>
+            <a:r>
+              <a:rPr lang="bs-Latn-BA" dirty="0" err="1"/>
+              <a:t>takodjer</a:t>
+            </a:r>
+            <a:r>
+              <a:rPr lang="bs-Latn-BA" dirty="0"/>
+              <a:t> sadržavaju istu vrstu hiperteksta i tako dalje. </a:t>
+            </a:r>
+            <a:r>
+              <a:rPr lang="bs-Latn-BA" dirty="0" err="1"/>
+              <a:t>Hyperlinkovi</a:t>
+            </a:r>
+            <a:r>
+              <a:rPr lang="bs-Latn-BA" dirty="0"/>
+              <a:t> za prelaz iz jednog u drugi izvor. </a:t>
+            </a:r>
+          </a:p>
+          <a:p>
+            <a:pPr marL="171450" indent="-171450">
+              <a:buFont typeface="Arial" panose="020B0604020202020204" pitchFamily="34" charset="0"/>
+              <a:buChar char="•"/>
+            </a:pPr>
+            <a:r>
+              <a:rPr lang="bs-Latn-BA" dirty="0"/>
+              <a:t>Krajem 80 i početkom 90 godina. Bazira se na </a:t>
+            </a:r>
+            <a:r>
+              <a:rPr lang="bs-Latn-BA" dirty="0" err="1"/>
+              <a:t>Request</a:t>
+            </a:r>
+            <a:r>
+              <a:rPr lang="bs-Latn-BA" dirty="0"/>
+              <a:t>/</a:t>
+            </a:r>
+            <a:r>
+              <a:rPr lang="bs-Latn-BA" dirty="0" err="1"/>
+              <a:t>response</a:t>
+            </a:r>
+            <a:r>
+              <a:rPr lang="bs-Latn-BA" dirty="0"/>
+              <a:t> principu.</a:t>
+            </a:r>
+          </a:p>
+          <a:p>
+            <a:pPr marL="171450" indent="-171450">
+              <a:buFont typeface="Arial" panose="020B0604020202020204" pitchFamily="34" charset="0"/>
+              <a:buChar char="•"/>
+            </a:pPr>
+            <a:r>
+              <a:rPr lang="bs-Latn-BA" dirty="0"/>
+              <a:t>Nekoliko verzija</a:t>
+            </a:r>
+          </a:p>
+          <a:p>
+            <a:pPr marL="171450" indent="-171450">
+              <a:buFont typeface="Arial" panose="020B0604020202020204" pitchFamily="34" charset="0"/>
+              <a:buChar char="•"/>
+            </a:pPr>
+            <a:r>
+              <a:rPr lang="bs-Latn-BA" dirty="0"/>
+              <a:t>HTTP 1.0 sadrži dodatne vrste podataka, javila se potreba </a:t>
+            </a:r>
+            <a:r>
+              <a:rPr lang="bs-Latn-BA" dirty="0" err="1"/>
+              <a:t>proxy</a:t>
+            </a:r>
+            <a:r>
+              <a:rPr lang="bs-Latn-BA" dirty="0"/>
+              <a:t> i druge </a:t>
+            </a:r>
+            <a:r>
+              <a:rPr lang="bs-Latn-BA" dirty="0" err="1"/>
+              <a:t>zathjeve</a:t>
+            </a:r>
+            <a:r>
+              <a:rPr lang="bs-Latn-BA" dirty="0"/>
+              <a:t> pa se onda HTTP pojavila daljnje verzije i danas </a:t>
+            </a:r>
+            <a:r>
+              <a:rPr lang="bs-Latn-BA" dirty="0" err="1"/>
+              <a:t>trenuta</a:t>
+            </a:r>
+            <a:r>
+              <a:rPr lang="bs-Latn-BA" dirty="0"/>
+              <a:t> verzija 2.0.</a:t>
             </a:r>
             <a:endParaRPr lang="en-US" dirty="0"/>
           </a:p>
@@ -1400,7 +1461,7 @@
     </p:spTree>
     <p:extLst>
       <p:ext uri="{BB962C8B-B14F-4D97-AF65-F5344CB8AC3E}">
-        <p14:creationId xmlns:p14="http://schemas.microsoft.com/office/powerpoint/2010/main" val="108131961"/>
+        <p14:creationId xmlns:p14="http://schemas.microsoft.com/office/powerpoint/2010/main" val="911875358"/>
       </p:ext>
     </p:extLst>
   </p:cSld>
@@ -1455,51 +1516,8 @@
           <a:lstStyle/>
           <a:p>
             <a:r>
-              <a:rPr lang="bs-Latn-BA" dirty="0" err="1"/>
-              <a:t>Querystring</a:t>
-            </a:r>
-            <a:r>
-              <a:rPr lang="bs-Latn-BA" dirty="0"/>
-              <a:t> ograničenja </a:t>
-            </a:r>
-            <a:r>
-              <a:rPr lang="bs-Latn-BA" dirty="0" err="1"/>
-              <a:t>DNSa</a:t>
-            </a:r>
-            <a:endParaRPr lang="bs-Latn-BA" dirty="0"/>
-          </a:p>
-          <a:p>
-            <a:r>
-              <a:rPr lang="bs-Latn-BA" dirty="0"/>
-              <a:t>Pojedini browseri imaju ograničenja (nekoliko hiljada znakova)</a:t>
-            </a:r>
-          </a:p>
-          <a:p>
-            <a:r>
-              <a:rPr lang="bs-Latn-BA" dirty="0"/>
-              <a:t>Password u </a:t>
-            </a:r>
-            <a:r>
-              <a:rPr lang="bs-Latn-BA" dirty="0" err="1"/>
-              <a:t>query</a:t>
-            </a:r>
-            <a:r>
-              <a:rPr lang="bs-Latn-BA" dirty="0"/>
-              <a:t> </a:t>
-            </a:r>
-            <a:r>
-              <a:rPr lang="bs-Latn-BA" dirty="0" err="1"/>
-              <a:t>stringu</a:t>
-            </a:r>
-            <a:r>
-              <a:rPr lang="bs-Latn-BA" dirty="0"/>
-              <a:t> osnovni problem http protokola</a:t>
-            </a:r>
-          </a:p>
-          <a:p>
-            <a:r>
-              <a:rPr lang="bs-Latn-BA" dirty="0"/>
-              <a:t>Predefinisani port HTTP je 80</a:t>
+              <a:rPr lang="bs-Latn-BA" dirty="0"/>
+              <a:t>URI posjeduje oba resursa </a:t>
             </a:r>
             <a:endParaRPr lang="en-US" dirty="0"/>
           </a:p>
@@ -1531,7 +1549,7 @@
     </p:spTree>
     <p:extLst>
       <p:ext uri="{BB962C8B-B14F-4D97-AF65-F5344CB8AC3E}">
-        <p14:creationId xmlns:p14="http://schemas.microsoft.com/office/powerpoint/2010/main" val="2838233654"/>
+        <p14:creationId xmlns:p14="http://schemas.microsoft.com/office/powerpoint/2010/main" val="108131961"/>
       </p:ext>
     </p:extLst>
   </p:cSld>
@@ -1586,6 +1604,137 @@
           <a:lstStyle/>
           <a:p>
             <a:r>
+              <a:rPr lang="bs-Latn-BA" dirty="0" err="1"/>
+              <a:t>Querystring</a:t>
+            </a:r>
+            <a:r>
+              <a:rPr lang="bs-Latn-BA" dirty="0"/>
+              <a:t> ograničenja </a:t>
+            </a:r>
+            <a:r>
+              <a:rPr lang="bs-Latn-BA" dirty="0" err="1"/>
+              <a:t>DNSa</a:t>
+            </a:r>
+            <a:endParaRPr lang="bs-Latn-BA" dirty="0"/>
+          </a:p>
+          <a:p>
+            <a:r>
+              <a:rPr lang="bs-Latn-BA" dirty="0"/>
+              <a:t>Pojedini browseri imaju ograničenja (nekoliko hiljada znakova)</a:t>
+            </a:r>
+          </a:p>
+          <a:p>
+            <a:r>
+              <a:rPr lang="bs-Latn-BA" dirty="0"/>
+              <a:t>Password u </a:t>
+            </a:r>
+            <a:r>
+              <a:rPr lang="bs-Latn-BA" dirty="0" err="1"/>
+              <a:t>query</a:t>
+            </a:r>
+            <a:r>
+              <a:rPr lang="bs-Latn-BA" dirty="0"/>
+              <a:t> </a:t>
+            </a:r>
+            <a:r>
+              <a:rPr lang="bs-Latn-BA" dirty="0" err="1"/>
+              <a:t>stringu</a:t>
+            </a:r>
+            <a:r>
+              <a:rPr lang="bs-Latn-BA" dirty="0"/>
+              <a:t> osnovni problem http protokola</a:t>
+            </a:r>
+          </a:p>
+          <a:p>
+            <a:r>
+              <a:rPr lang="bs-Latn-BA" dirty="0"/>
+              <a:t>Predefinisani port HTTP je 80</a:t>
+            </a:r>
+            <a:endParaRPr lang="en-US" dirty="0"/>
+          </a:p>
+        </p:txBody>
+      </p:sp>
+      <p:sp>
+        <p:nvSpPr>
+          <p:cNvPr id="4" name="Slide Number Placeholder 3"/>
+          <p:cNvSpPr>
+            <a:spLocks noGrp="1"/>
+          </p:cNvSpPr>
+          <p:nvPr>
+            <p:ph type="sldNum" sz="quarter" idx="5"/>
+          </p:nvPr>
+        </p:nvSpPr>
+        <p:spPr/>
+        <p:txBody>
+          <a:bodyPr/>
+          <a:lstStyle/>
+          <a:p>
+            <a:fld id="{DCD2E694-1380-454D-82B1-31C435BF0B73}" type="slidenum">
+              <a:rPr lang="en-US" smtClean="0"/>
+              <a:t>9</a:t>
+            </a:fld>
+            <a:endParaRPr lang="en-US"/>
+          </a:p>
+        </p:txBody>
+      </p:sp>
+    </p:spTree>
+    <p:extLst>
+      <p:ext uri="{BB962C8B-B14F-4D97-AF65-F5344CB8AC3E}">
+        <p14:creationId xmlns:p14="http://schemas.microsoft.com/office/powerpoint/2010/main" val="2838233654"/>
+      </p:ext>
+    </p:extLst>
+  </p:cSld>
+  <p:clrMapOvr>
+    <a:masterClrMapping/>
+  </p:clrMapOvr>
+</p:notes>
+</file>
+
+<file path=ppt/notesSlides/notesSlide7.xml><?xml version="1.0" encoding="utf-8"?>
+<p:notes xmlns:a="http://schemas.openxmlformats.org/drawingml/2006/main" xmlns:r="http://schemas.openxmlformats.org/officeDocument/2006/relationships" xmlns:p="http://schemas.openxmlformats.org/presentationml/2006/main">
+  <p:cSld>
+    <p:spTree>
+      <p:nvGrpSpPr>
+        <p:cNvPr id="1" name=""/>
+        <p:cNvGrpSpPr/>
+        <p:nvPr/>
+      </p:nvGrpSpPr>
+      <p:grpSpPr>
+        <a:xfrm>
+          <a:off x="0" y="0"/>
+          <a:ext cx="0" cy="0"/>
+          <a:chOff x="0" y="0"/>
+          <a:chExt cx="0" cy="0"/>
+        </a:xfrm>
+      </p:grpSpPr>
+      <p:sp>
+        <p:nvSpPr>
+          <p:cNvPr id="2" name="Slide Image Placeholder 1"/>
+          <p:cNvSpPr>
+            <a:spLocks noGrp="1" noRot="1" noChangeAspect="1"/>
+          </p:cNvSpPr>
+          <p:nvPr>
+            <p:ph type="sldImg"/>
+          </p:nvPr>
+        </p:nvSpPr>
+        <p:spPr/>
+      </p:sp>
+      <p:sp>
+        <p:nvSpPr>
+          <p:cNvPr id="3" name="Notes Placeholder 2"/>
+          <p:cNvSpPr>
+            <a:spLocks noGrp="1"/>
+          </p:cNvSpPr>
+          <p:nvPr>
+            <p:ph type="body" idx="1"/>
+          </p:nvPr>
+        </p:nvSpPr>
+        <p:spPr/>
+        <p:txBody>
+          <a:bodyPr/>
+          <a:lstStyle/>
+          <a:p>
+            <a:r>
               <a:rPr lang="bs-Latn-BA" dirty="0"/>
               <a:t>SSL-</a:t>
             </a:r>
@@ -1634,7 +1783,7 @@
           <a:p>
             <a:fld id="{DCD2E694-1380-454D-82B1-31C435BF0B73}" type="slidenum">
               <a:rPr lang="en-US" smtClean="0"/>
-              <a:t>10</a:t>
+              <a:t>11</a:t>
             </a:fld>
             <a:endParaRPr lang="en-US"/>
           </a:p>
@@ -1800,7 +1949,7 @@
           <a:p>
             <a:fld id="{AF486955-3127-42D7-BED7-122587FA1F74}" type="datetimeFigureOut">
               <a:rPr lang="en-US" smtClean="0"/>
-              <a:t>3/12/2019</a:t>
+              <a:t>3/14/2019</a:t>
             </a:fld>
             <a:endParaRPr lang="en-US"/>
           </a:p>
@@ -1998,7 +2147,7 @@
           <a:p>
             <a:fld id="{AF486955-3127-42D7-BED7-122587FA1F74}" type="datetimeFigureOut">
               <a:rPr lang="en-US" smtClean="0"/>
-              <a:t>3/12/2019</a:t>
+              <a:t>3/14/2019</a:t>
             </a:fld>
             <a:endParaRPr lang="en-US"/>
           </a:p>
@@ -2206,7 +2355,7 @@
           <a:p>
             <a:fld id="{AF486955-3127-42D7-BED7-122587FA1F74}" type="datetimeFigureOut">
               <a:rPr lang="en-US" smtClean="0"/>
-              <a:t>3/12/2019</a:t>
+              <a:t>3/14/2019</a:t>
             </a:fld>
             <a:endParaRPr lang="en-US"/>
           </a:p>
@@ -2404,7 +2553,7 @@
           <a:p>
             <a:fld id="{AF486955-3127-42D7-BED7-122587FA1F74}" type="datetimeFigureOut">
               <a:rPr lang="en-US" smtClean="0"/>
-              <a:t>3/12/2019</a:t>
+              <a:t>3/14/2019</a:t>
             </a:fld>
             <a:endParaRPr lang="en-US"/>
           </a:p>
@@ -2679,7 +2828,7 @@
           <a:p>
             <a:fld id="{AF486955-3127-42D7-BED7-122587FA1F74}" type="datetimeFigureOut">
               <a:rPr lang="en-US" smtClean="0"/>
-              <a:t>3/12/2019</a:t>
+              <a:t>3/14/2019</a:t>
             </a:fld>
             <a:endParaRPr lang="en-US"/>
           </a:p>
@@ -2944,7 +3093,7 @@
           <a:p>
             <a:fld id="{AF486955-3127-42D7-BED7-122587FA1F74}" type="datetimeFigureOut">
               <a:rPr lang="en-US" smtClean="0"/>
-              <a:t>3/12/2019</a:t>
+              <a:t>3/14/2019</a:t>
             </a:fld>
             <a:endParaRPr lang="en-US"/>
           </a:p>
@@ -3356,7 +3505,7 @@
           <a:p>
             <a:fld id="{AF486955-3127-42D7-BED7-122587FA1F74}" type="datetimeFigureOut">
               <a:rPr lang="en-US" smtClean="0"/>
-              <a:t>3/12/2019</a:t>
+              <a:t>3/14/2019</a:t>
             </a:fld>
             <a:endParaRPr lang="en-US"/>
           </a:p>
@@ -3497,7 +3646,7 @@
           <a:p>
             <a:fld id="{AF486955-3127-42D7-BED7-122587FA1F74}" type="datetimeFigureOut">
               <a:rPr lang="en-US" smtClean="0"/>
-              <a:t>3/12/2019</a:t>
+              <a:t>3/14/2019</a:t>
             </a:fld>
             <a:endParaRPr lang="en-US"/>
           </a:p>
@@ -3610,7 +3759,7 @@
           <a:p>
             <a:fld id="{AF486955-3127-42D7-BED7-122587FA1F74}" type="datetimeFigureOut">
               <a:rPr lang="en-US" smtClean="0"/>
-              <a:t>3/12/2019</a:t>
+              <a:t>3/14/2019</a:t>
             </a:fld>
             <a:endParaRPr lang="en-US"/>
           </a:p>
@@ -3921,7 +4070,7 @@
           <a:p>
             <a:fld id="{AF486955-3127-42D7-BED7-122587FA1F74}" type="datetimeFigureOut">
               <a:rPr lang="en-US" smtClean="0"/>
-              <a:t>3/12/2019</a:t>
+              <a:t>3/14/2019</a:t>
             </a:fld>
             <a:endParaRPr lang="en-US"/>
           </a:p>
@@ -4209,7 +4358,7 @@
           <a:p>
             <a:fld id="{AF486955-3127-42D7-BED7-122587FA1F74}" type="datetimeFigureOut">
               <a:rPr lang="en-US" smtClean="0"/>
-              <a:t>3/12/2019</a:t>
+              <a:t>3/14/2019</a:t>
             </a:fld>
             <a:endParaRPr lang="en-US"/>
           </a:p>
@@ -4450,7 +4599,7 @@
           <a:p>
             <a:fld id="{AF486955-3127-42D7-BED7-122587FA1F74}" type="datetimeFigureOut">
               <a:rPr lang="en-US" smtClean="0"/>
-              <a:t>3/12/2019</a:t>
+              <a:t>3/14/2019</a:t>
             </a:fld>
             <a:endParaRPr lang="en-US"/>
           </a:p>
@@ -4872,25 +5021,25 @@
           <p:cNvPr id="2" name="Title 1">
             <a:extLst>
               <a:ext uri="{FF2B5EF4-FFF2-40B4-BE49-F238E27FC236}">
-                <a16:creationId xmlns:a16="http://schemas.microsoft.com/office/drawing/2014/main" id="{ADE6168C-1024-4679-9157-7E9179CA7734}"/>
-              </a:ext>
-            </a:extLst>
-          </p:cNvPr>
-          <p:cNvSpPr>
-            <a:spLocks noGrp="1"/>
-          </p:cNvSpPr>
-          <p:nvPr>
-            <p:ph type="title"/>
-          </p:nvPr>
-        </p:nvSpPr>
-        <p:spPr/>
-        <p:txBody>
-          <a:bodyPr/>
-          <a:lstStyle/>
-          <a:p>
-            <a:r>
-              <a:rPr lang="bs-Latn-BA" dirty="0"/>
-              <a:t>Web API</a:t>
+                <a16:creationId xmlns:a16="http://schemas.microsoft.com/office/drawing/2014/main" id="{7FF4548B-AA49-4265-98AA-5138EF627035}"/>
+              </a:ext>
+            </a:extLst>
+          </p:cNvPr>
+          <p:cNvSpPr>
+            <a:spLocks noGrp="1"/>
+          </p:cNvSpPr>
+          <p:nvPr>
+            <p:ph type="ctrTitle"/>
+          </p:nvPr>
+        </p:nvSpPr>
+        <p:spPr/>
+        <p:txBody>
+          <a:bodyPr/>
+          <a:lstStyle/>
+          <a:p>
+            <a:r>
+              <a:rPr lang="bs-Latn-BA" dirty="0"/>
+              <a:t>HTTP REST Servisi</a:t>
             </a:r>
             <a:endParaRPr lang="en-US" dirty="0"/>
           </a:p>
@@ -4898,104 +5047,28 @@
       </p:sp>
       <p:sp>
         <p:nvSpPr>
-          <p:cNvPr id="3" name="Content Placeholder 2">
-            <a:extLst>
-              <a:ext uri="{FF2B5EF4-FFF2-40B4-BE49-F238E27FC236}">
-                <a16:creationId xmlns:a16="http://schemas.microsoft.com/office/drawing/2014/main" id="{4CECA652-4929-42F0-BE42-8B5490023570}"/>
-              </a:ext>
-            </a:extLst>
-          </p:cNvPr>
-          <p:cNvSpPr>
-            <a:spLocks noGrp="1"/>
-          </p:cNvSpPr>
-          <p:nvPr>
-            <p:ph idx="1"/>
-          </p:nvPr>
-        </p:nvSpPr>
-        <p:spPr/>
-        <p:txBody>
-          <a:bodyPr/>
-          <a:lstStyle/>
-          <a:p>
-            <a:r>
-              <a:rPr lang="bs-Latn-BA" dirty="0"/>
-              <a:t>Web API (</a:t>
-            </a:r>
-            <a:r>
-              <a:rPr lang="bs-Latn-BA" dirty="0" err="1"/>
-              <a:t>Application</a:t>
-            </a:r>
-            <a:r>
-              <a:rPr lang="bs-Latn-BA" dirty="0"/>
-              <a:t> </a:t>
-            </a:r>
-            <a:r>
-              <a:rPr lang="bs-Latn-BA" dirty="0" err="1"/>
-              <a:t>Programming</a:t>
-            </a:r>
-            <a:r>
-              <a:rPr lang="bs-Latn-BA" dirty="0"/>
-              <a:t> </a:t>
-            </a:r>
-            <a:r>
-              <a:rPr lang="bs-Latn-BA" dirty="0" err="1"/>
-              <a:t>Interface</a:t>
-            </a:r>
-            <a:r>
-              <a:rPr lang="bs-Latn-BA" dirty="0"/>
-              <a:t>) možemo predstaviti iz nekoliko uglova:</a:t>
-            </a:r>
-          </a:p>
-          <a:p>
-            <a:pPr lvl="1"/>
-            <a:r>
-              <a:rPr lang="bs-Latn-BA" dirty="0"/>
-              <a:t>Kao okvir (</a:t>
-            </a:r>
-            <a:r>
-              <a:rPr lang="bs-Latn-BA" dirty="0" err="1"/>
-              <a:t>en</a:t>
-            </a:r>
-            <a:r>
-              <a:rPr lang="bs-Latn-BA" dirty="0"/>
-              <a:t>. Framework) za razvoj HTTP servisa kojima mogu pristupati različiti klijenti.</a:t>
-            </a:r>
-          </a:p>
-          <a:p>
-            <a:pPr lvl="1"/>
-            <a:r>
-              <a:rPr lang="bs-Latn-BA" dirty="0"/>
-              <a:t>Zasnovan je na ASP.NET (mogu biti i druge platforme, JAVA, </a:t>
-            </a:r>
-            <a:r>
-              <a:rPr lang="bs-Latn-BA" dirty="0" err="1"/>
-              <a:t>Node</a:t>
-            </a:r>
-            <a:r>
-              <a:rPr lang="bs-Latn-BA" dirty="0"/>
-              <a:t>,...)</a:t>
-            </a:r>
-          </a:p>
-          <a:p>
-            <a:pPr lvl="1"/>
-            <a:r>
-              <a:rPr lang="bs-Latn-BA" dirty="0"/>
-              <a:t>Osnovna svrha API je pružanje servisnog sloja za klijent-server desktop, </a:t>
-            </a:r>
-            <a:r>
-              <a:rPr lang="bs-Latn-BA" dirty="0" err="1"/>
-              <a:t>mobile</a:t>
-            </a:r>
-            <a:r>
-              <a:rPr lang="bs-Latn-BA" dirty="0"/>
-              <a:t> i dr. Vrste aplikacija</a:t>
-            </a:r>
-          </a:p>
-          <a:p>
-            <a:pPr lvl="1"/>
-            <a:r>
-              <a:rPr lang="bs-Latn-BA" dirty="0"/>
-              <a:t>Predstavlja posrednika u komunikaciji između dvije komponente softvera- </a:t>
+          <p:cNvPr id="3" name="Subtitle 2">
+            <a:extLst>
+              <a:ext uri="{FF2B5EF4-FFF2-40B4-BE49-F238E27FC236}">
+                <a16:creationId xmlns:a16="http://schemas.microsoft.com/office/drawing/2014/main" id="{3A0E3986-879C-4959-8B62-8763EDD9BC61}"/>
+              </a:ext>
+            </a:extLst>
+          </p:cNvPr>
+          <p:cNvSpPr>
+            <a:spLocks noGrp="1"/>
+          </p:cNvSpPr>
+          <p:nvPr>
+            <p:ph type="subTitle" idx="1"/>
+          </p:nvPr>
+        </p:nvSpPr>
+        <p:spPr/>
+        <p:txBody>
+          <a:bodyPr/>
+          <a:lstStyle/>
+          <a:p>
+            <a:r>
+              <a:rPr lang="bs-Latn-BA" dirty="0"/>
+              <a:t>De. Sc Bahrudin Hrnjica</a:t>
             </a:r>
             <a:endParaRPr lang="en-US" dirty="0"/>
           </a:p>
@@ -5004,7 +5077,7 @@
     </p:spTree>
     <p:extLst>
       <p:ext uri="{BB962C8B-B14F-4D97-AF65-F5344CB8AC3E}">
-        <p14:creationId xmlns:p14="http://schemas.microsoft.com/office/powerpoint/2010/main" val="3250055883"/>
+        <p14:creationId xmlns:p14="http://schemas.microsoft.com/office/powerpoint/2010/main" val="3463201081"/>
       </p:ext>
     </p:extLst>
   </p:cSld>
@@ -5015,6 +5088,100 @@
 </file>
 
 <file path=ppt/slides/slide10.xml><?xml version="1.0" encoding="utf-8"?>
+<p:sld xmlns:a="http://schemas.openxmlformats.org/drawingml/2006/main" xmlns:r="http://schemas.openxmlformats.org/officeDocument/2006/relationships" xmlns:p="http://schemas.openxmlformats.org/presentationml/2006/main">
+  <p:cSld>
+    <p:spTree>
+      <p:nvGrpSpPr>
+        <p:cNvPr id="1" name=""/>
+        <p:cNvGrpSpPr/>
+        <p:nvPr/>
+      </p:nvGrpSpPr>
+      <p:grpSpPr>
+        <a:xfrm>
+          <a:off x="0" y="0"/>
+          <a:ext cx="0" cy="0"/>
+          <a:chOff x="0" y="0"/>
+          <a:chExt cx="0" cy="0"/>
+        </a:xfrm>
+      </p:grpSpPr>
+      <p:sp>
+        <p:nvSpPr>
+          <p:cNvPr id="2" name="Title 1">
+            <a:extLst>
+              <a:ext uri="{FF2B5EF4-FFF2-40B4-BE49-F238E27FC236}">
+                <a16:creationId xmlns:a16="http://schemas.microsoft.com/office/drawing/2014/main" id="{4EB86933-7A88-4092-B68B-DF9FDB86E020}"/>
+              </a:ext>
+            </a:extLst>
+          </p:cNvPr>
+          <p:cNvSpPr>
+            <a:spLocks noGrp="1"/>
+          </p:cNvSpPr>
+          <p:nvPr>
+            <p:ph type="title"/>
+          </p:nvPr>
+        </p:nvSpPr>
+        <p:spPr/>
+        <p:txBody>
+          <a:bodyPr/>
+          <a:lstStyle/>
+          <a:p>
+            <a:r>
+              <a:rPr lang="bs-Latn-BA" dirty="0"/>
+              <a:t>HTTP </a:t>
+            </a:r>
+            <a:r>
+              <a:rPr lang="en-US" dirty="0"/>
+              <a:t>request - response</a:t>
+            </a:r>
+          </a:p>
+        </p:txBody>
+      </p:sp>
+      <p:pic>
+        <p:nvPicPr>
+          <p:cNvPr id="4" name="Content Placeholder 3">
+            <a:extLst>
+              <a:ext uri="{FF2B5EF4-FFF2-40B4-BE49-F238E27FC236}">
+                <a16:creationId xmlns:a16="http://schemas.microsoft.com/office/drawing/2014/main" id="{9B21BFCA-0E69-40E5-8C58-2E3F3A132633}"/>
+              </a:ext>
+            </a:extLst>
+          </p:cNvPr>
+          <p:cNvPicPr>
+            <a:picLocks noGrp="1" noChangeAspect="1"/>
+          </p:cNvPicPr>
+          <p:nvPr>
+            <p:ph idx="1"/>
+          </p:nvPr>
+        </p:nvPicPr>
+        <p:blipFill>
+          <a:blip r:embed="rId2"/>
+          <a:stretch>
+            <a:fillRect/>
+          </a:stretch>
+        </p:blipFill>
+        <p:spPr>
+          <a:xfrm>
+            <a:off x="1840375" y="1742494"/>
+            <a:ext cx="9266664" cy="4918558"/>
+          </a:xfrm>
+          <a:prstGeom prst="rect">
+            <a:avLst/>
+          </a:prstGeom>
+        </p:spPr>
+      </p:pic>
+    </p:spTree>
+    <p:extLst>
+      <p:ext uri="{BB962C8B-B14F-4D97-AF65-F5344CB8AC3E}">
+        <p14:creationId xmlns:p14="http://schemas.microsoft.com/office/powerpoint/2010/main" val="3216824365"/>
+      </p:ext>
+    </p:extLst>
+  </p:cSld>
+  <p:clrMapOvr>
+    <a:masterClrMapping/>
+  </p:clrMapOvr>
+</p:sld>
+</file>
+
+<file path=ppt/slides/slide11.xml><?xml version="1.0" encoding="utf-8"?>
 <p:sld xmlns:a="http://schemas.openxmlformats.org/drawingml/2006/main" xmlns:r="http://schemas.openxmlformats.org/officeDocument/2006/relationships" xmlns:p="http://schemas.openxmlformats.org/presentationml/2006/main">
   <p:cSld>
     <p:spTree>
@@ -5536,7 +5703,7 @@
 </p:sld>
 </file>
 
-<file path=ppt/slides/slide11.xml><?xml version="1.0" encoding="utf-8"?>
+<file path=ppt/slides/slide12.xml><?xml version="1.0" encoding="utf-8"?>
 <p:sld xmlns:a="http://schemas.openxmlformats.org/drawingml/2006/main" xmlns:r="http://schemas.openxmlformats.org/officeDocument/2006/relationships" xmlns:p="http://schemas.openxmlformats.org/presentationml/2006/main">
   <p:cSld>
     <p:spTree>
@@ -5914,7 +6081,7 @@
 </p:sld>
 </file>
 
-<file path=ppt/slides/slide12.xml><?xml version="1.0" encoding="utf-8"?>
+<file path=ppt/slides/slide13.xml><?xml version="1.0" encoding="utf-8"?>
 <p:sld xmlns:a="http://schemas.openxmlformats.org/drawingml/2006/main" xmlns:r="http://schemas.openxmlformats.org/officeDocument/2006/relationships" xmlns:p="http://schemas.openxmlformats.org/presentationml/2006/main">
   <p:cSld>
     <p:spTree>
@@ -6005,7 +6172,7 @@
 </p:sld>
 </file>
 
-<file path=ppt/slides/slide13.xml><?xml version="1.0" encoding="utf-8"?>
+<file path=ppt/slides/slide14.xml><?xml version="1.0" encoding="utf-8"?>
 <p:sld xmlns:a="http://schemas.openxmlformats.org/drawingml/2006/main" xmlns:r="http://schemas.openxmlformats.org/officeDocument/2006/relationships" xmlns:p="http://schemas.openxmlformats.org/presentationml/2006/main">
   <p:cSld>
     <p:spTree>
@@ -6096,7 +6263,7 @@
 </p:sld>
 </file>
 
-<file path=ppt/slides/slide14.xml><?xml version="1.0" encoding="utf-8"?>
+<file path=ppt/slides/slide15.xml><?xml version="1.0" encoding="utf-8"?>
 <p:sld xmlns:a="http://schemas.openxmlformats.org/drawingml/2006/main" xmlns:r="http://schemas.openxmlformats.org/officeDocument/2006/relationships" xmlns:p="http://schemas.openxmlformats.org/presentationml/2006/main">
   <p:cSld>
     <p:spTree>
@@ -6199,7 +6366,7 @@
 </p:sld>
 </file>
 
-<file path=ppt/slides/slide15.xml><?xml version="1.0" encoding="utf-8"?>
+<file path=ppt/slides/slide16.xml><?xml version="1.0" encoding="utf-8"?>
 <p:sld xmlns:a="http://schemas.openxmlformats.org/drawingml/2006/main" xmlns:r="http://schemas.openxmlformats.org/officeDocument/2006/relationships" xmlns:p="http://schemas.openxmlformats.org/presentationml/2006/main">
   <p:cSld>
     <p:spTree>
@@ -6374,7 +6541,7 @@
 </p:sld>
 </file>
 
-<file path=ppt/slides/slide16.xml><?xml version="1.0" encoding="utf-8"?>
+<file path=ppt/slides/slide17.xml><?xml version="1.0" encoding="utf-8"?>
 <p:sld xmlns:a="http://schemas.openxmlformats.org/drawingml/2006/main" xmlns:r="http://schemas.openxmlformats.org/officeDocument/2006/relationships" xmlns:p="http://schemas.openxmlformats.org/presentationml/2006/main">
   <p:cSld>
     <p:spTree>
@@ -6459,6 +6626,170 @@
 </file>
 
 <file path=ppt/slides/slide2.xml><?xml version="1.0" encoding="utf-8"?>
+<p:sld xmlns:a="http://schemas.openxmlformats.org/drawingml/2006/main" xmlns:r="http://schemas.openxmlformats.org/officeDocument/2006/relationships" xmlns:p="http://schemas.openxmlformats.org/presentationml/2006/main">
+  <p:cSld>
+    <p:spTree>
+      <p:nvGrpSpPr>
+        <p:cNvPr id="1" name=""/>
+        <p:cNvGrpSpPr/>
+        <p:nvPr/>
+      </p:nvGrpSpPr>
+      <p:grpSpPr>
+        <a:xfrm>
+          <a:off x="0" y="0"/>
+          <a:ext cx="0" cy="0"/>
+          <a:chOff x="0" y="0"/>
+          <a:chExt cx="0" cy="0"/>
+        </a:xfrm>
+      </p:grpSpPr>
+      <p:sp>
+        <p:nvSpPr>
+          <p:cNvPr id="2" name="Title 1">
+            <a:extLst>
+              <a:ext uri="{FF2B5EF4-FFF2-40B4-BE49-F238E27FC236}">
+                <a16:creationId xmlns:a16="http://schemas.microsoft.com/office/drawing/2014/main" id="{ADE6168C-1024-4679-9157-7E9179CA7734}"/>
+              </a:ext>
+            </a:extLst>
+          </p:cNvPr>
+          <p:cNvSpPr>
+            <a:spLocks noGrp="1"/>
+          </p:cNvSpPr>
+          <p:nvPr>
+            <p:ph type="title"/>
+          </p:nvPr>
+        </p:nvSpPr>
+        <p:spPr/>
+        <p:txBody>
+          <a:bodyPr/>
+          <a:lstStyle/>
+          <a:p>
+            <a:r>
+              <a:rPr lang="bs-Latn-BA" dirty="0"/>
+              <a:t>Web API</a:t>
+            </a:r>
+            <a:endParaRPr lang="en-US" dirty="0"/>
+          </a:p>
+        </p:txBody>
+      </p:sp>
+      <p:sp>
+        <p:nvSpPr>
+          <p:cNvPr id="3" name="Content Placeholder 2">
+            <a:extLst>
+              <a:ext uri="{FF2B5EF4-FFF2-40B4-BE49-F238E27FC236}">
+                <a16:creationId xmlns:a16="http://schemas.microsoft.com/office/drawing/2014/main" id="{4CECA652-4929-42F0-BE42-8B5490023570}"/>
+              </a:ext>
+            </a:extLst>
+          </p:cNvPr>
+          <p:cNvSpPr>
+            <a:spLocks noGrp="1"/>
+          </p:cNvSpPr>
+          <p:nvPr>
+            <p:ph idx="1"/>
+          </p:nvPr>
+        </p:nvSpPr>
+        <p:spPr/>
+        <p:txBody>
+          <a:bodyPr/>
+          <a:lstStyle/>
+          <a:p>
+            <a:r>
+              <a:rPr lang="bs-Latn-BA" dirty="0"/>
+              <a:t>Web API (</a:t>
+            </a:r>
+            <a:r>
+              <a:rPr lang="bs-Latn-BA" dirty="0" err="1"/>
+              <a:t>Application</a:t>
+            </a:r>
+            <a:r>
+              <a:rPr lang="bs-Latn-BA" dirty="0"/>
+              <a:t> </a:t>
+            </a:r>
+            <a:r>
+              <a:rPr lang="bs-Latn-BA" dirty="0" err="1"/>
+              <a:t>Programming</a:t>
+            </a:r>
+            <a:r>
+              <a:rPr lang="bs-Latn-BA" dirty="0"/>
+              <a:t> </a:t>
+            </a:r>
+            <a:r>
+              <a:rPr lang="bs-Latn-BA" dirty="0" err="1"/>
+              <a:t>Interface</a:t>
+            </a:r>
+            <a:r>
+              <a:rPr lang="bs-Latn-BA" dirty="0"/>
+              <a:t>) možemo predstaviti iz nekoliko uglova:</a:t>
+            </a:r>
+          </a:p>
+          <a:p>
+            <a:pPr lvl="1"/>
+            <a:r>
+              <a:rPr lang="bs-Latn-BA" dirty="0"/>
+              <a:t>Kao okvir (</a:t>
+            </a:r>
+            <a:r>
+              <a:rPr lang="bs-Latn-BA" dirty="0" err="1"/>
+              <a:t>en</a:t>
+            </a:r>
+            <a:r>
+              <a:rPr lang="bs-Latn-BA" dirty="0"/>
+              <a:t>. Framework) za razvoj HTTP servisa kojima mogu pristupati različiti klijenti.</a:t>
+            </a:r>
+          </a:p>
+          <a:p>
+            <a:pPr lvl="1"/>
+            <a:r>
+              <a:rPr lang="bs-Latn-BA" dirty="0"/>
+              <a:t>Zasnovan je na ASP.NET (mogu biti i druge platforme, JAVA, </a:t>
+            </a:r>
+            <a:r>
+              <a:rPr lang="bs-Latn-BA" dirty="0" err="1"/>
+              <a:t>Node</a:t>
+            </a:r>
+            <a:r>
+              <a:rPr lang="bs-Latn-BA" dirty="0"/>
+              <a:t>,...)</a:t>
+            </a:r>
+          </a:p>
+          <a:p>
+            <a:pPr lvl="1"/>
+            <a:r>
+              <a:rPr lang="bs-Latn-BA" dirty="0"/>
+              <a:t>Osnovna svrha API je pružanje servisnog sloja za klijent-server desktop, </a:t>
+            </a:r>
+            <a:r>
+              <a:rPr lang="bs-Latn-BA" dirty="0" err="1"/>
+              <a:t>mobile</a:t>
+            </a:r>
+            <a:r>
+              <a:rPr lang="bs-Latn-BA" dirty="0"/>
+              <a:t> i dr. Vrste aplikacija</a:t>
+            </a:r>
+          </a:p>
+          <a:p>
+            <a:pPr lvl="1"/>
+            <a:r>
+              <a:rPr lang="bs-Latn-BA" dirty="0"/>
+              <a:t>Predstavlja posrednika u komunikaciji između dvije komponente softvera- </a:t>
+            </a:r>
+            <a:endParaRPr lang="en-US" dirty="0"/>
+          </a:p>
+        </p:txBody>
+      </p:sp>
+    </p:spTree>
+    <p:extLst>
+      <p:ext uri="{BB962C8B-B14F-4D97-AF65-F5344CB8AC3E}">
+        <p14:creationId xmlns:p14="http://schemas.microsoft.com/office/powerpoint/2010/main" val="3250055883"/>
+      </p:ext>
+    </p:extLst>
+  </p:cSld>
+  <p:clrMapOvr>
+    <a:masterClrMapping/>
+  </p:clrMapOvr>
+</p:sld>
+</file>
+
+<file path=ppt/slides/slide3.xml><?xml version="1.0" encoding="utf-8"?>
 <p:sld xmlns:a="http://schemas.openxmlformats.org/drawingml/2006/main" xmlns:r="http://schemas.openxmlformats.org/officeDocument/2006/relationships" xmlns:p="http://schemas.openxmlformats.org/presentationml/2006/main">
   <p:cSld>
     <p:spTree>
@@ -6615,7 +6946,7 @@
 </p:sld>
 </file>
 
-<file path=ppt/slides/slide3.xml><?xml version="1.0" encoding="utf-8"?>
+<file path=ppt/slides/slide4.xml><?xml version="1.0" encoding="utf-8"?>
 <p:sld xmlns:a="http://schemas.openxmlformats.org/drawingml/2006/main" xmlns:r="http://schemas.openxmlformats.org/officeDocument/2006/relationships" xmlns:p="http://schemas.openxmlformats.org/presentationml/2006/main">
   <p:cSld>
     <p:spTree>
@@ -6765,94 +7096,6 @@
 </p:sld>
 </file>
 
-<file path=ppt/slides/slide4.xml><?xml version="1.0" encoding="utf-8"?>
-<p:sld xmlns:a="http://schemas.openxmlformats.org/drawingml/2006/main" xmlns:r="http://schemas.openxmlformats.org/officeDocument/2006/relationships" xmlns:p="http://schemas.openxmlformats.org/presentationml/2006/main">
-  <p:cSld>
-    <p:spTree>
-      <p:nvGrpSpPr>
-        <p:cNvPr id="1" name=""/>
-        <p:cNvGrpSpPr/>
-        <p:nvPr/>
-      </p:nvGrpSpPr>
-      <p:grpSpPr>
-        <a:xfrm>
-          <a:off x="0" y="0"/>
-          <a:ext cx="0" cy="0"/>
-          <a:chOff x="0" y="0"/>
-          <a:chExt cx="0" cy="0"/>
-        </a:xfrm>
-      </p:grpSpPr>
-      <p:sp>
-        <p:nvSpPr>
-          <p:cNvPr id="2" name="Title 1">
-            <a:extLst>
-              <a:ext uri="{FF2B5EF4-FFF2-40B4-BE49-F238E27FC236}">
-                <a16:creationId xmlns:a16="http://schemas.microsoft.com/office/drawing/2014/main" id="{7FF4548B-AA49-4265-98AA-5138EF627035}"/>
-              </a:ext>
-            </a:extLst>
-          </p:cNvPr>
-          <p:cNvSpPr>
-            <a:spLocks noGrp="1"/>
-          </p:cNvSpPr>
-          <p:nvPr>
-            <p:ph type="ctrTitle"/>
-          </p:nvPr>
-        </p:nvSpPr>
-        <p:spPr/>
-        <p:txBody>
-          <a:bodyPr/>
-          <a:lstStyle/>
-          <a:p>
-            <a:r>
-              <a:rPr lang="bs-Latn-BA" dirty="0"/>
-              <a:t>HTTP REST Servisi</a:t>
-            </a:r>
-            <a:endParaRPr lang="en-US" dirty="0"/>
-          </a:p>
-        </p:txBody>
-      </p:sp>
-      <p:sp>
-        <p:nvSpPr>
-          <p:cNvPr id="3" name="Subtitle 2">
-            <a:extLst>
-              <a:ext uri="{FF2B5EF4-FFF2-40B4-BE49-F238E27FC236}">
-                <a16:creationId xmlns:a16="http://schemas.microsoft.com/office/drawing/2014/main" id="{3A0E3986-879C-4959-8B62-8763EDD9BC61}"/>
-              </a:ext>
-            </a:extLst>
-          </p:cNvPr>
-          <p:cNvSpPr>
-            <a:spLocks noGrp="1"/>
-          </p:cNvSpPr>
-          <p:nvPr>
-            <p:ph type="subTitle" idx="1"/>
-          </p:nvPr>
-        </p:nvSpPr>
-        <p:spPr/>
-        <p:txBody>
-          <a:bodyPr/>
-          <a:lstStyle/>
-          <a:p>
-            <a:r>
-              <a:rPr lang="bs-Latn-BA" dirty="0"/>
-              <a:t>De. Sc Bahrudin Hrnjica</a:t>
-            </a:r>
-            <a:endParaRPr lang="en-US" dirty="0"/>
-          </a:p>
-        </p:txBody>
-      </p:sp>
-    </p:spTree>
-    <p:extLst>
-      <p:ext uri="{BB962C8B-B14F-4D97-AF65-F5344CB8AC3E}">
-        <p14:creationId xmlns:p14="http://schemas.microsoft.com/office/powerpoint/2010/main" val="3463201081"/>
-      </p:ext>
-    </p:extLst>
-  </p:cSld>
-  <p:clrMapOvr>
-    <a:masterClrMapping/>
-  </p:clrMapOvr>
-</p:sld>
-</file>
-
 <file path=ppt/slides/slide5.xml><?xml version="1.0" encoding="utf-8"?>
 <p:sld xmlns:a="http://schemas.openxmlformats.org/drawingml/2006/main" xmlns:r="http://schemas.openxmlformats.org/officeDocument/2006/relationships" xmlns:p="http://schemas.openxmlformats.org/presentationml/2006/main">
   <p:cSld>
@@ -6870,6 +7113,67 @@
           <a:chExt cx="0" cy="0"/>
         </a:xfrm>
       </p:grpSpPr>
+      <p:pic>
+        <p:nvPicPr>
+          <p:cNvPr id="4" name="Content Placeholder 3">
+            <a:extLst>
+              <a:ext uri="{FF2B5EF4-FFF2-40B4-BE49-F238E27FC236}">
+                <a16:creationId xmlns:a16="http://schemas.microsoft.com/office/drawing/2014/main" id="{7CB7982F-76A5-4336-8418-526EB966DC5A}"/>
+              </a:ext>
+            </a:extLst>
+          </p:cNvPr>
+          <p:cNvPicPr>
+            <a:picLocks noGrp="1" noChangeAspect="1"/>
+          </p:cNvPicPr>
+          <p:nvPr>
+            <p:ph idx="1"/>
+          </p:nvPr>
+        </p:nvPicPr>
+        <p:blipFill rotWithShape="1">
+          <a:blip r:embed="rId2"/>
+          <a:srcRect t="4661"/>
+          <a:stretch/>
+        </p:blipFill>
+        <p:spPr>
+          <a:xfrm>
+            <a:off x="20" y="10"/>
+            <a:ext cx="12191980" cy="6857990"/>
+          </a:xfrm>
+          <a:prstGeom prst="rect">
+            <a:avLst/>
+          </a:prstGeom>
+        </p:spPr>
+      </p:pic>
+    </p:spTree>
+    <p:extLst>
+      <p:ext uri="{BB962C8B-B14F-4D97-AF65-F5344CB8AC3E}">
+        <p14:creationId xmlns:p14="http://schemas.microsoft.com/office/powerpoint/2010/main" val="3260205649"/>
+      </p:ext>
+    </p:extLst>
+  </p:cSld>
+  <p:clrMapOvr>
+    <a:masterClrMapping/>
+  </p:clrMapOvr>
+</p:sld>
+</file>
+
+<file path=ppt/slides/slide6.xml><?xml version="1.0" encoding="utf-8"?>
+<p:sld xmlns:a="http://schemas.openxmlformats.org/drawingml/2006/main" xmlns:r="http://schemas.openxmlformats.org/officeDocument/2006/relationships" xmlns:p="http://schemas.openxmlformats.org/presentationml/2006/main">
+  <p:cSld>
+    <p:spTree>
+      <p:nvGrpSpPr>
+        <p:cNvPr id="1" name=""/>
+        <p:cNvGrpSpPr/>
+        <p:nvPr/>
+      </p:nvGrpSpPr>
+      <p:grpSpPr>
+        <a:xfrm>
+          <a:off x="0" y="0"/>
+          <a:ext cx="0" cy="0"/>
+          <a:chOff x="0" y="0"/>
+          <a:chExt cx="0" cy="0"/>
+        </a:xfrm>
+      </p:grpSpPr>
       <p:sp>
         <p:nvSpPr>
           <p:cNvPr id="2" name="Title 1">
@@ -6979,7 +7283,7 @@
 </p:sld>
 </file>
 
-<file path=ppt/slides/slide6.xml><?xml version="1.0" encoding="utf-8"?>
+<file path=ppt/slides/slide7.xml><?xml version="1.0" encoding="utf-8"?>
 <p:sld xmlns:a="http://schemas.openxmlformats.org/drawingml/2006/main" xmlns:r="http://schemas.openxmlformats.org/officeDocument/2006/relationships" xmlns:p="http://schemas.openxmlformats.org/presentationml/2006/main">
   <p:cSld>
     <p:spTree>
@@ -7135,7 +7439,7 @@
 </p:sld>
 </file>
 
-<file path=ppt/slides/slide7.xml><?xml version="1.0" encoding="utf-8"?>
+<file path=ppt/slides/slide8.xml><?xml version="1.0" encoding="utf-8"?>
 <p:sld xmlns:a="http://schemas.openxmlformats.org/drawingml/2006/main" xmlns:r="http://schemas.openxmlformats.org/officeDocument/2006/relationships" xmlns:p="http://schemas.openxmlformats.org/presentationml/2006/main">
   <p:cSld>
     <p:spTree>
@@ -7323,259 +7627,6 @@
 </p:sld>
 </file>
 
-<file path=ppt/slides/slide8.xml><?xml version="1.0" encoding="utf-8"?>
-<p:sld xmlns:a="http://schemas.openxmlformats.org/drawingml/2006/main" xmlns:r="http://schemas.openxmlformats.org/officeDocument/2006/relationships" xmlns:p="http://schemas.openxmlformats.org/presentationml/2006/main">
-  <p:cSld>
-    <p:spTree>
-      <p:nvGrpSpPr>
-        <p:cNvPr id="1" name=""/>
-        <p:cNvGrpSpPr/>
-        <p:nvPr/>
-      </p:nvGrpSpPr>
-      <p:grpSpPr>
-        <a:xfrm>
-          <a:off x="0" y="0"/>
-          <a:ext cx="0" cy="0"/>
-          <a:chOff x="0" y="0"/>
-          <a:chExt cx="0" cy="0"/>
-        </a:xfrm>
-      </p:grpSpPr>
-      <p:sp>
-        <p:nvSpPr>
-          <p:cNvPr id="2" name="Title 1">
-            <a:extLst>
-              <a:ext uri="{FF2B5EF4-FFF2-40B4-BE49-F238E27FC236}">
-                <a16:creationId xmlns:a16="http://schemas.microsoft.com/office/drawing/2014/main" id="{4EB86933-7A88-4092-B68B-DF9FDB86E020}"/>
-              </a:ext>
-            </a:extLst>
-          </p:cNvPr>
-          <p:cNvSpPr>
-            <a:spLocks noGrp="1"/>
-          </p:cNvSpPr>
-          <p:nvPr>
-            <p:ph type="title"/>
-          </p:nvPr>
-        </p:nvSpPr>
-        <p:spPr/>
-        <p:txBody>
-          <a:bodyPr/>
-          <a:lstStyle/>
-          <a:p>
-            <a:r>
-              <a:rPr lang="bs-Latn-BA" dirty="0"/>
-              <a:t>HTTP</a:t>
-            </a:r>
-            <a:endParaRPr lang="en-US" dirty="0"/>
-          </a:p>
-        </p:txBody>
-      </p:sp>
-      <p:sp>
-        <p:nvSpPr>
-          <p:cNvPr id="3" name="Content Placeholder 2">
-            <a:extLst>
-              <a:ext uri="{FF2B5EF4-FFF2-40B4-BE49-F238E27FC236}">
-                <a16:creationId xmlns:a16="http://schemas.microsoft.com/office/drawing/2014/main" id="{246D4252-FAF0-43EA-A6FA-BAE851301256}"/>
-              </a:ext>
-            </a:extLst>
-          </p:cNvPr>
-          <p:cNvSpPr>
-            <a:spLocks noGrp="1"/>
-          </p:cNvSpPr>
-          <p:nvPr>
-            <p:ph idx="1"/>
-          </p:nvPr>
-        </p:nvSpPr>
-        <p:spPr/>
-        <p:txBody>
-          <a:bodyPr>
-            <a:normAutofit lnSpcReduction="10000"/>
-          </a:bodyPr>
-          <a:lstStyle/>
-          <a:p>
-            <a:r>
-              <a:rPr lang="bs-Latn-BA" dirty="0">
-                <a:hlinkClick r:id="rId3"/>
-              </a:rPr>
-              <a:t>http://www.fit.ba/News/Index.aspx?search=Upis</a:t>
-            </a:r>
-            <a:r>
-              <a:rPr lang="bs-Latn-BA" dirty="0"/>
-              <a:t> </a:t>
-            </a:r>
-          </a:p>
-          <a:p>
-            <a:pPr lvl="1"/>
-            <a:r>
-              <a:rPr lang="bs-Latn-BA" dirty="0">
-                <a:solidFill>
-                  <a:srgbClr val="FF0000"/>
-                </a:solidFill>
-              </a:rPr>
-              <a:t>http</a:t>
-            </a:r>
-            <a:r>
-              <a:rPr lang="bs-Latn-BA" dirty="0"/>
-              <a:t> – protokol</a:t>
-            </a:r>
-          </a:p>
-          <a:p>
-            <a:pPr lvl="1"/>
-            <a:r>
-              <a:rPr lang="bs-Latn-BA" dirty="0">
-                <a:solidFill>
-                  <a:srgbClr val="FF0000"/>
-                </a:solidFill>
-              </a:rPr>
-              <a:t>www.fit.ba</a:t>
-            </a:r>
-            <a:r>
-              <a:rPr lang="bs-Latn-BA" dirty="0"/>
-              <a:t> – lokacija na kojoj se nalazi </a:t>
-            </a:r>
-            <a:r>
-              <a:rPr lang="bs-Latn-BA" dirty="0" err="1"/>
-              <a:t>zahtjevani</a:t>
-            </a:r>
-            <a:r>
-              <a:rPr lang="bs-Latn-BA" dirty="0"/>
-              <a:t> resurs</a:t>
-            </a:r>
-          </a:p>
-          <a:p>
-            <a:pPr lvl="1"/>
-            <a:r>
-              <a:rPr lang="bs-Latn-BA" dirty="0">
-                <a:solidFill>
-                  <a:srgbClr val="FF0000"/>
-                </a:solidFill>
-              </a:rPr>
-              <a:t>News/Index.aspx </a:t>
-            </a:r>
-            <a:r>
-              <a:rPr lang="bs-Latn-BA" dirty="0"/>
-              <a:t>– putanja do resursa</a:t>
-            </a:r>
-          </a:p>
-          <a:p>
-            <a:pPr lvl="1"/>
-            <a:r>
-              <a:rPr lang="bs-Latn-BA" dirty="0">
-                <a:solidFill>
-                  <a:srgbClr val="FF0000"/>
-                </a:solidFill>
-              </a:rPr>
-              <a:t>?</a:t>
-            </a:r>
-            <a:r>
-              <a:rPr lang="bs-Latn-BA" dirty="0" err="1">
-                <a:solidFill>
-                  <a:srgbClr val="FF0000"/>
-                </a:solidFill>
-              </a:rPr>
-              <a:t>search</a:t>
-            </a:r>
-            <a:r>
-              <a:rPr lang="bs-Latn-BA" dirty="0">
-                <a:solidFill>
-                  <a:srgbClr val="FF0000"/>
-                </a:solidFill>
-              </a:rPr>
-              <a:t>=Upis </a:t>
-            </a:r>
-            <a:r>
-              <a:rPr lang="bs-Latn-BA" dirty="0"/>
-              <a:t>– </a:t>
-            </a:r>
-            <a:r>
-              <a:rPr lang="bs-Latn-BA" dirty="0" err="1"/>
-              <a:t>query</a:t>
-            </a:r>
-            <a:r>
-              <a:rPr lang="bs-Latn-BA" dirty="0"/>
-              <a:t> </a:t>
-            </a:r>
-            <a:r>
-              <a:rPr lang="bs-Latn-BA" dirty="0" err="1"/>
-              <a:t>string</a:t>
-            </a:r>
-            <a:endParaRPr lang="bs-Latn-BA" dirty="0"/>
-          </a:p>
-          <a:p>
-            <a:pPr lvl="1"/>
-            <a:r>
-              <a:rPr lang="bs-Latn-BA" dirty="0"/>
-              <a:t>Port 80</a:t>
-            </a:r>
-          </a:p>
-          <a:p>
-            <a:pPr lvl="1"/>
-            <a:endParaRPr lang="bs-Latn-BA" dirty="0"/>
-          </a:p>
-          <a:p>
-            <a:r>
-              <a:rPr lang="bs-Latn-BA" dirty="0" err="1"/>
-              <a:t>Query</a:t>
-            </a:r>
-            <a:r>
-              <a:rPr lang="bs-Latn-BA" dirty="0"/>
-              <a:t> </a:t>
-            </a:r>
-            <a:r>
-              <a:rPr lang="bs-Latn-BA" dirty="0" err="1"/>
-              <a:t>string</a:t>
-            </a:r>
-            <a:r>
-              <a:rPr lang="bs-Latn-BA" dirty="0"/>
-              <a:t> posjeduje određena </a:t>
-            </a:r>
-            <a:r>
-              <a:rPr lang="bs-Latn-BA" dirty="0" err="1"/>
-              <a:t>oraničenja</a:t>
-            </a:r>
-            <a:endParaRPr lang="bs-Latn-BA" dirty="0"/>
-          </a:p>
-          <a:p>
-            <a:pPr lvl="1"/>
-            <a:r>
-              <a:rPr lang="bs-Latn-BA" dirty="0"/>
-              <a:t>Dužina </a:t>
-            </a:r>
-            <a:r>
-              <a:rPr lang="bs-Latn-BA" dirty="0" err="1"/>
-              <a:t>stringa</a:t>
-            </a:r>
-            <a:endParaRPr lang="bs-Latn-BA" dirty="0"/>
-          </a:p>
-          <a:p>
-            <a:pPr lvl="1"/>
-            <a:r>
-              <a:rPr lang="bs-Latn-BA" dirty="0"/>
-              <a:t>Čitljivost sadržaja</a:t>
-            </a:r>
-          </a:p>
-          <a:p>
-            <a:pPr lvl="1"/>
-            <a:r>
-              <a:rPr lang="bs-Latn-BA" dirty="0"/>
-              <a:t>Predefinisano značenje pojedinih znakova(?, =)</a:t>
-            </a:r>
-            <a:endParaRPr lang="en-US" dirty="0"/>
-          </a:p>
-        </p:txBody>
-      </p:sp>
-    </p:spTree>
-    <p:extLst>
-      <p:ext uri="{BB962C8B-B14F-4D97-AF65-F5344CB8AC3E}">
-        <p14:creationId xmlns:p14="http://schemas.microsoft.com/office/powerpoint/2010/main" val="4068607648"/>
-      </p:ext>
-    </p:extLst>
-  </p:cSld>
-  <p:clrMapOvr>
-    <a:masterClrMapping/>
-  </p:clrMapOvr>
-</p:sld>
-</file>
-
 <file path=ppt/slides/slide9.xml><?xml version="1.0" encoding="utf-8"?>
 <p:sld xmlns:a="http://schemas.openxmlformats.org/drawingml/2006/main" xmlns:r="http://schemas.openxmlformats.org/officeDocument/2006/relationships" xmlns:p="http://schemas.openxmlformats.org/presentationml/2006/main">
   <p:cSld>
@@ -7616,51 +7667,210 @@
           <a:p>
             <a:r>
               <a:rPr lang="bs-Latn-BA" dirty="0"/>
-              <a:t>HTTP </a:t>
-            </a:r>
-            <a:r>
-              <a:rPr lang="en-US" dirty="0"/>
-              <a:t>request - response</a:t>
-            </a:r>
-          </a:p>
-        </p:txBody>
-      </p:sp>
-      <p:pic>
-        <p:nvPicPr>
-          <p:cNvPr id="4" name="Content Placeholder 3">
-            <a:extLst>
-              <a:ext uri="{FF2B5EF4-FFF2-40B4-BE49-F238E27FC236}">
-                <a16:creationId xmlns:a16="http://schemas.microsoft.com/office/drawing/2014/main" id="{9B21BFCA-0E69-40E5-8C58-2E3F3A132633}"/>
-              </a:ext>
-            </a:extLst>
-          </p:cNvPr>
-          <p:cNvPicPr>
-            <a:picLocks noGrp="1" noChangeAspect="1"/>
-          </p:cNvPicPr>
+              <a:t>HTTP</a:t>
+            </a:r>
+            <a:endParaRPr lang="en-US" dirty="0"/>
+          </a:p>
+        </p:txBody>
+      </p:sp>
+      <p:sp>
+        <p:nvSpPr>
+          <p:cNvPr id="3" name="Content Placeholder 2">
+            <a:extLst>
+              <a:ext uri="{FF2B5EF4-FFF2-40B4-BE49-F238E27FC236}">
+                <a16:creationId xmlns:a16="http://schemas.microsoft.com/office/drawing/2014/main" id="{246D4252-FAF0-43EA-A6FA-BAE851301256}"/>
+              </a:ext>
+            </a:extLst>
+          </p:cNvPr>
+          <p:cNvSpPr>
+            <a:spLocks noGrp="1"/>
+          </p:cNvSpPr>
           <p:nvPr>
             <p:ph idx="1"/>
           </p:nvPr>
-        </p:nvPicPr>
-        <p:blipFill>
-          <a:blip r:embed="rId2"/>
-          <a:stretch>
-            <a:fillRect/>
-          </a:stretch>
-        </p:blipFill>
-        <p:spPr>
-          <a:xfrm>
-            <a:off x="1840375" y="1742494"/>
-            <a:ext cx="9266664" cy="4918558"/>
-          </a:xfrm>
-          <a:prstGeom prst="rect">
-            <a:avLst/>
-          </a:prstGeom>
-        </p:spPr>
-      </p:pic>
+        </p:nvSpPr>
+        <p:spPr/>
+        <p:txBody>
+          <a:bodyPr>
+            <a:normAutofit lnSpcReduction="10000"/>
+          </a:bodyPr>
+          <a:lstStyle/>
+          <a:p>
+            <a:r>
+              <a:rPr lang="bs-Latn-BA" dirty="0">
+                <a:hlinkClick r:id="rId3"/>
+              </a:rPr>
+              <a:t>http://www.fit.ba/News/Index.aspx?search=Upis</a:t>
+            </a:r>
+            <a:r>
+              <a:rPr lang="bs-Latn-BA" dirty="0"/>
+              <a:t> </a:t>
+            </a:r>
+          </a:p>
+          <a:p>
+            <a:pPr lvl="1"/>
+            <a:r>
+              <a:rPr lang="bs-Latn-BA" dirty="0">
+                <a:solidFill>
+                  <a:srgbClr val="FF0000"/>
+                </a:solidFill>
+              </a:rPr>
+              <a:t>http</a:t>
+            </a:r>
+            <a:r>
+              <a:rPr lang="bs-Latn-BA" dirty="0"/>
+              <a:t> – protokol</a:t>
+            </a:r>
+          </a:p>
+          <a:p>
+            <a:pPr lvl="1"/>
+            <a:r>
+              <a:rPr lang="bs-Latn-BA" dirty="0">
+                <a:solidFill>
+                  <a:srgbClr val="FF0000"/>
+                </a:solidFill>
+              </a:rPr>
+              <a:t>www.fit.ba</a:t>
+            </a:r>
+            <a:r>
+              <a:rPr lang="bs-Latn-BA" dirty="0"/>
+              <a:t> – lokacija na kojoj se nalazi </a:t>
+            </a:r>
+            <a:r>
+              <a:rPr lang="bs-Latn-BA" dirty="0" err="1"/>
+              <a:t>zahtjevani</a:t>
+            </a:r>
+            <a:r>
+              <a:rPr lang="bs-Latn-BA" dirty="0"/>
+              <a:t> resurs</a:t>
+            </a:r>
+          </a:p>
+          <a:p>
+            <a:pPr lvl="1"/>
+            <a:r>
+              <a:rPr lang="bs-Latn-BA" dirty="0">
+                <a:solidFill>
+                  <a:srgbClr val="FF0000"/>
+                </a:solidFill>
+              </a:rPr>
+              <a:t>News/Index.aspx </a:t>
+            </a:r>
+            <a:r>
+              <a:rPr lang="bs-Latn-BA" dirty="0"/>
+              <a:t>– putanja do resursa</a:t>
+            </a:r>
+          </a:p>
+          <a:p>
+            <a:pPr lvl="1"/>
+            <a:r>
+              <a:rPr lang="bs-Latn-BA" dirty="0">
+                <a:solidFill>
+                  <a:srgbClr val="FF0000"/>
+                </a:solidFill>
+              </a:rPr>
+              <a:t>?</a:t>
+            </a:r>
+            <a:r>
+              <a:rPr lang="bs-Latn-BA" dirty="0" err="1">
+                <a:solidFill>
+                  <a:srgbClr val="FF0000"/>
+                </a:solidFill>
+              </a:rPr>
+              <a:t>search</a:t>
+            </a:r>
+            <a:r>
+              <a:rPr lang="bs-Latn-BA" dirty="0">
+                <a:solidFill>
+                  <a:srgbClr val="FF0000"/>
+                </a:solidFill>
+              </a:rPr>
+              <a:t>=Upis </a:t>
+            </a:r>
+            <a:r>
+              <a:rPr lang="bs-Latn-BA" dirty="0"/>
+              <a:t>– </a:t>
+            </a:r>
+            <a:r>
+              <a:rPr lang="bs-Latn-BA" dirty="0" err="1"/>
+              <a:t>query</a:t>
+            </a:r>
+            <a:r>
+              <a:rPr lang="bs-Latn-BA" dirty="0"/>
+              <a:t> </a:t>
+            </a:r>
+            <a:r>
+              <a:rPr lang="bs-Latn-BA" dirty="0" err="1"/>
+              <a:t>string</a:t>
+            </a:r>
+            <a:endParaRPr lang="bs-Latn-BA" dirty="0"/>
+          </a:p>
+          <a:p>
+            <a:pPr lvl="1"/>
+            <a:r>
+              <a:rPr lang="bs-Latn-BA" dirty="0"/>
+              <a:t>Port 80</a:t>
+            </a:r>
+          </a:p>
+          <a:p>
+            <a:pPr lvl="1"/>
+            <a:endParaRPr lang="bs-Latn-BA" dirty="0"/>
+          </a:p>
+          <a:p>
+            <a:r>
+              <a:rPr lang="bs-Latn-BA" dirty="0" err="1"/>
+              <a:t>Query</a:t>
+            </a:r>
+            <a:r>
+              <a:rPr lang="bs-Latn-BA" dirty="0"/>
+              <a:t> </a:t>
+            </a:r>
+            <a:r>
+              <a:rPr lang="bs-Latn-BA" dirty="0" err="1"/>
+              <a:t>string</a:t>
+            </a:r>
+            <a:r>
+              <a:rPr lang="bs-Latn-BA" dirty="0"/>
+              <a:t> posjeduje određena </a:t>
+            </a:r>
+            <a:r>
+              <a:rPr lang="bs-Latn-BA" dirty="0" err="1"/>
+              <a:t>oraničenja</a:t>
+            </a:r>
+            <a:endParaRPr lang="bs-Latn-BA" dirty="0"/>
+          </a:p>
+          <a:p>
+            <a:pPr lvl="1"/>
+            <a:r>
+              <a:rPr lang="bs-Latn-BA" dirty="0"/>
+              <a:t>Dužina </a:t>
+            </a:r>
+            <a:r>
+              <a:rPr lang="bs-Latn-BA" dirty="0" err="1"/>
+              <a:t>stringa</a:t>
+            </a:r>
+            <a:endParaRPr lang="bs-Latn-BA" dirty="0"/>
+          </a:p>
+          <a:p>
+            <a:pPr lvl="1"/>
+            <a:r>
+              <a:rPr lang="bs-Latn-BA" dirty="0"/>
+              <a:t>Čitljivost sadržaja</a:t>
+            </a:r>
+          </a:p>
+          <a:p>
+            <a:pPr lvl="1"/>
+            <a:r>
+              <a:rPr lang="bs-Latn-BA" dirty="0"/>
+              <a:t>Predefinisano značenje pojedinih znakova(?, =)</a:t>
+            </a:r>
+            <a:endParaRPr lang="en-US" dirty="0"/>
+          </a:p>
+        </p:txBody>
+      </p:sp>
     </p:spTree>
     <p:extLst>
       <p:ext uri="{BB962C8B-B14F-4D97-AF65-F5344CB8AC3E}">
-        <p14:creationId xmlns:p14="http://schemas.microsoft.com/office/powerpoint/2010/main" val="3216824365"/>
+        <p14:creationId xmlns:p14="http://schemas.microsoft.com/office/powerpoint/2010/main" val="4068607648"/>
       </p:ext>
     </p:extLst>
   </p:cSld>
